--- a/Images/Figures_PPT/Box_Plot_SIN1_Domain.pptx
+++ b/Images/Figures_PPT/Box_Plot_SIN1_Domain.pptx
@@ -2298,8 +2298,8 @@
           </p:nvSpPr>
           <p:spPr>
             <a:xfrm>
-              <a:off x="914400" y="914400"/>
-              <a:ext cx="9144000" cy="6400800"/>
+              <a:off x="10058399" y="914400"/>
+              <a:ext cx="0" cy="6400800"/>
             </a:xfrm>
             <a:prstGeom prst="rect">
               <a:avLst/>
@@ -2333,8 +2333,8 @@
           </p:nvSpPr>
           <p:spPr>
             <a:xfrm>
-              <a:off x="1397280" y="1407846"/>
-              <a:ext cx="8591530" cy="5507419"/>
+              <a:off x="1371700" y="1392990"/>
+              <a:ext cx="8617110" cy="5534432"/>
             </a:xfrm>
             <a:prstGeom prst="rect">
               <a:avLst/>
@@ -2359,21 +2359,21 @@
           </p:nvSpPr>
           <p:spPr>
             <a:xfrm>
-              <a:off x="1397280" y="5973408"/>
-              <a:ext cx="8591530" cy="0"/>
+              <a:off x="1371700" y="5980944"/>
+              <a:ext cx="8617110" cy="0"/>
             </a:xfrm>
             <a:custGeom>
               <a:avLst/>
               <a:pathLst>
-                <a:path w="8591530" h="0">
+                <a:path w="8617110" h="0">
                   <a:moveTo>
                     <a:pt x="0" y="0"/>
                   </a:moveTo>
                   <a:lnTo>
-                    <a:pt x="8591530" y="0"/>
-                  </a:lnTo>
-                  <a:lnTo>
-                    <a:pt x="8591530" y="0"/>
+                    <a:pt x="8617110" y="0"/>
+                  </a:lnTo>
+                  <a:lnTo>
+                    <a:pt x="8617110" y="0"/>
                   </a:lnTo>
                 </a:path>
               </a:pathLst>
@@ -2402,21 +2402,21 @@
           </p:nvSpPr>
           <p:spPr>
             <a:xfrm>
-              <a:off x="1397280" y="4278505"/>
-              <a:ext cx="8591530" cy="0"/>
+              <a:off x="1371700" y="4277728"/>
+              <a:ext cx="8617110" cy="0"/>
             </a:xfrm>
             <a:custGeom>
               <a:avLst/>
               <a:pathLst>
-                <a:path w="8591530" h="0">
+                <a:path w="8617110" h="0">
                   <a:moveTo>
                     <a:pt x="0" y="0"/>
                   </a:moveTo>
                   <a:lnTo>
-                    <a:pt x="8591530" y="0"/>
-                  </a:lnTo>
-                  <a:lnTo>
-                    <a:pt x="8591530" y="0"/>
+                    <a:pt x="8617110" y="0"/>
+                  </a:lnTo>
+                  <a:lnTo>
+                    <a:pt x="8617110" y="0"/>
                   </a:lnTo>
                 </a:path>
               </a:pathLst>
@@ -2445,21 +2445,21 @@
           </p:nvSpPr>
           <p:spPr>
             <a:xfrm>
-              <a:off x="1397280" y="2583601"/>
-              <a:ext cx="8591530" cy="0"/>
+              <a:off x="1371700" y="2574511"/>
+              <a:ext cx="8617110" cy="0"/>
             </a:xfrm>
             <a:custGeom>
               <a:avLst/>
               <a:pathLst>
-                <a:path w="8591530" h="0">
+                <a:path w="8617110" h="0">
                   <a:moveTo>
                     <a:pt x="0" y="0"/>
                   </a:moveTo>
                   <a:lnTo>
-                    <a:pt x="8591530" y="0"/>
-                  </a:lnTo>
-                  <a:lnTo>
-                    <a:pt x="8591530" y="0"/>
+                    <a:pt x="8617110" y="0"/>
+                  </a:lnTo>
+                  <a:lnTo>
+                    <a:pt x="8617110" y="0"/>
                   </a:lnTo>
                 </a:path>
               </a:pathLst>
@@ -2488,21 +2488,21 @@
           </p:nvSpPr>
           <p:spPr>
             <a:xfrm>
-              <a:off x="1397280" y="6820860"/>
-              <a:ext cx="8591530" cy="0"/>
+              <a:off x="1371700" y="6832552"/>
+              <a:ext cx="8617110" cy="0"/>
             </a:xfrm>
             <a:custGeom>
               <a:avLst/>
               <a:pathLst>
-                <a:path w="8591530" h="0">
+                <a:path w="8617110" h="0">
                   <a:moveTo>
                     <a:pt x="0" y="0"/>
                   </a:moveTo>
                   <a:lnTo>
-                    <a:pt x="8591530" y="0"/>
-                  </a:lnTo>
-                  <a:lnTo>
-                    <a:pt x="8591530" y="0"/>
+                    <a:pt x="8617110" y="0"/>
+                  </a:lnTo>
+                  <a:lnTo>
+                    <a:pt x="8617110" y="0"/>
                   </a:lnTo>
                 </a:path>
               </a:pathLst>
@@ -2531,21 +2531,21 @@
           </p:nvSpPr>
           <p:spPr>
             <a:xfrm>
-              <a:off x="1397280" y="5125956"/>
-              <a:ext cx="8591530" cy="0"/>
+              <a:off x="1371700" y="5129336"/>
+              <a:ext cx="8617110" cy="0"/>
             </a:xfrm>
             <a:custGeom>
               <a:avLst/>
               <a:pathLst>
-                <a:path w="8591530" h="0">
+                <a:path w="8617110" h="0">
                   <a:moveTo>
                     <a:pt x="0" y="0"/>
                   </a:moveTo>
                   <a:lnTo>
-                    <a:pt x="8591530" y="0"/>
-                  </a:lnTo>
-                  <a:lnTo>
-                    <a:pt x="8591530" y="0"/>
+                    <a:pt x="8617110" y="0"/>
+                  </a:lnTo>
+                  <a:lnTo>
+                    <a:pt x="8617110" y="0"/>
                   </a:lnTo>
                 </a:path>
               </a:pathLst>
@@ -2574,21 +2574,21 @@
           </p:nvSpPr>
           <p:spPr>
             <a:xfrm>
-              <a:off x="1397280" y="3431053"/>
-              <a:ext cx="8591530" cy="0"/>
+              <a:off x="1371700" y="3426119"/>
+              <a:ext cx="8617110" cy="0"/>
             </a:xfrm>
             <a:custGeom>
               <a:avLst/>
               <a:pathLst>
-                <a:path w="8591530" h="0">
+                <a:path w="8617110" h="0">
                   <a:moveTo>
                     <a:pt x="0" y="0"/>
                   </a:moveTo>
                   <a:lnTo>
-                    <a:pt x="8591530" y="0"/>
-                  </a:lnTo>
-                  <a:lnTo>
-                    <a:pt x="8591530" y="0"/>
+                    <a:pt x="8617110" y="0"/>
+                  </a:lnTo>
+                  <a:lnTo>
+                    <a:pt x="8617110" y="0"/>
                   </a:lnTo>
                 </a:path>
               </a:pathLst>
@@ -2617,21 +2617,21 @@
           </p:nvSpPr>
           <p:spPr>
             <a:xfrm>
-              <a:off x="1397280" y="1736149"/>
-              <a:ext cx="8591530" cy="0"/>
+              <a:off x="1371700" y="1722903"/>
+              <a:ext cx="8617110" cy="0"/>
             </a:xfrm>
             <a:custGeom>
               <a:avLst/>
               <a:pathLst>
-                <a:path w="8591530" h="0">
+                <a:path w="8617110" h="0">
                   <a:moveTo>
                     <a:pt x="0" y="0"/>
                   </a:moveTo>
                   <a:lnTo>
-                    <a:pt x="8591530" y="0"/>
-                  </a:lnTo>
-                  <a:lnTo>
-                    <a:pt x="8591530" y="0"/>
+                    <a:pt x="8617110" y="0"/>
+                  </a:lnTo>
+                  <a:lnTo>
+                    <a:pt x="8617110" y="0"/>
                   </a:lnTo>
                 </a:path>
               </a:pathLst>
@@ -2660,15 +2660,15 @@
           </p:nvSpPr>
           <p:spPr>
             <a:xfrm>
-              <a:off x="2113241" y="1407846"/>
-              <a:ext cx="0" cy="5507419"/>
+              <a:off x="2089793" y="1392990"/>
+              <a:ext cx="0" cy="5534432"/>
             </a:xfrm>
             <a:custGeom>
               <a:avLst/>
               <a:pathLst>
-                <a:path w="0" h="5507419">
+                <a:path w="0" h="5534432">
                   <a:moveTo>
-                    <a:pt x="0" y="5507419"/>
+                    <a:pt x="0" y="5534432"/>
                   </a:moveTo>
                   <a:lnTo>
                     <a:pt x="0" y="0"/>
@@ -2703,15 +2703,15 @@
           </p:nvSpPr>
           <p:spPr>
             <a:xfrm>
-              <a:off x="3306509" y="1407846"/>
-              <a:ext cx="0" cy="5507419"/>
+              <a:off x="3286613" y="1392990"/>
+              <a:ext cx="0" cy="5534432"/>
             </a:xfrm>
             <a:custGeom>
               <a:avLst/>
               <a:pathLst>
-                <a:path w="0" h="5507419">
+                <a:path w="0" h="5534432">
                   <a:moveTo>
-                    <a:pt x="0" y="5507419"/>
+                    <a:pt x="0" y="5534432"/>
                   </a:moveTo>
                   <a:lnTo>
                     <a:pt x="0" y="0"/>
@@ -2746,15 +2746,15 @@
           </p:nvSpPr>
           <p:spPr>
             <a:xfrm>
-              <a:off x="4499777" y="1407846"/>
-              <a:ext cx="0" cy="5507419"/>
+              <a:off x="4483434" y="1392990"/>
+              <a:ext cx="0" cy="5534432"/>
             </a:xfrm>
             <a:custGeom>
               <a:avLst/>
               <a:pathLst>
-                <a:path w="0" h="5507419">
+                <a:path w="0" h="5534432">
                   <a:moveTo>
-                    <a:pt x="0" y="5507419"/>
+                    <a:pt x="0" y="5534432"/>
                   </a:moveTo>
                   <a:lnTo>
                     <a:pt x="0" y="0"/>
@@ -2789,15 +2789,15 @@
           </p:nvSpPr>
           <p:spPr>
             <a:xfrm>
-              <a:off x="5693045" y="1407846"/>
-              <a:ext cx="0" cy="5507419"/>
+              <a:off x="5680255" y="1392990"/>
+              <a:ext cx="0" cy="5534432"/>
             </a:xfrm>
             <a:custGeom>
               <a:avLst/>
               <a:pathLst>
-                <a:path w="0" h="5507419">
+                <a:path w="0" h="5534432">
                   <a:moveTo>
-                    <a:pt x="0" y="5507419"/>
+                    <a:pt x="0" y="5534432"/>
                   </a:moveTo>
                   <a:lnTo>
                     <a:pt x="0" y="0"/>
@@ -2832,15 +2832,15 @@
           </p:nvSpPr>
           <p:spPr>
             <a:xfrm>
-              <a:off x="6886313" y="1407846"/>
-              <a:ext cx="0" cy="5507419"/>
+              <a:off x="6877076" y="1392990"/>
+              <a:ext cx="0" cy="5534432"/>
             </a:xfrm>
             <a:custGeom>
               <a:avLst/>
               <a:pathLst>
-                <a:path w="0" h="5507419">
+                <a:path w="0" h="5534432">
                   <a:moveTo>
-                    <a:pt x="0" y="5507419"/>
+                    <a:pt x="0" y="5534432"/>
                   </a:moveTo>
                   <a:lnTo>
                     <a:pt x="0" y="0"/>
@@ -2875,15 +2875,15 @@
           </p:nvSpPr>
           <p:spPr>
             <a:xfrm>
-              <a:off x="8079581" y="1407846"/>
-              <a:ext cx="0" cy="5507419"/>
+              <a:off x="8073897" y="1392990"/>
+              <a:ext cx="0" cy="5534432"/>
             </a:xfrm>
             <a:custGeom>
               <a:avLst/>
               <a:pathLst>
-                <a:path w="0" h="5507419">
+                <a:path w="0" h="5534432">
                   <a:moveTo>
-                    <a:pt x="0" y="5507419"/>
+                    <a:pt x="0" y="5534432"/>
                   </a:moveTo>
                   <a:lnTo>
                     <a:pt x="0" y="0"/>
@@ -2918,15 +2918,15 @@
           </p:nvSpPr>
           <p:spPr>
             <a:xfrm>
-              <a:off x="9272850" y="1407846"/>
-              <a:ext cx="0" cy="5507419"/>
+              <a:off x="9270718" y="1392990"/>
+              <a:ext cx="0" cy="5534432"/>
             </a:xfrm>
             <a:custGeom>
               <a:avLst/>
               <a:pathLst>
-                <a:path w="0" h="5507419">
+                <a:path w="0" h="5534432">
                   <a:moveTo>
-                    <a:pt x="0" y="5507419"/>
+                    <a:pt x="0" y="5534432"/>
                   </a:moveTo>
                   <a:lnTo>
                     <a:pt x="0" y="0"/>
@@ -2961,18 +2961,18 @@
           </p:nvSpPr>
           <p:spPr>
             <a:xfrm>
-              <a:off x="1814924" y="3319189"/>
-              <a:ext cx="596634" cy="0"/>
+              <a:off x="1790587" y="3313707"/>
+              <a:ext cx="598410" cy="0"/>
             </a:xfrm>
             <a:custGeom>
               <a:avLst/>
               <a:pathLst>
-                <a:path w="596634" h="0">
+                <a:path w="598410" h="0">
                   <a:moveTo>
                     <a:pt x="0" y="0"/>
                   </a:moveTo>
                   <a:lnTo>
-                    <a:pt x="596634" y="0"/>
+                    <a:pt x="598410" y="0"/>
                   </a:lnTo>
                 </a:path>
               </a:pathLst>
@@ -3001,18 +3001,18 @@
           </p:nvSpPr>
           <p:spPr>
             <a:xfrm>
-              <a:off x="2113241" y="3319189"/>
-              <a:ext cx="0" cy="593216"/>
+              <a:off x="2089793" y="3313707"/>
+              <a:ext cx="0" cy="596125"/>
             </a:xfrm>
             <a:custGeom>
               <a:avLst/>
               <a:pathLst>
-                <a:path w="0" h="593216">
+                <a:path w="0" h="596125">
                   <a:moveTo>
                     <a:pt x="0" y="0"/>
                   </a:moveTo>
                   <a:lnTo>
-                    <a:pt x="0" y="593216"/>
+                    <a:pt x="0" y="596125"/>
                   </a:lnTo>
                 </a:path>
               </a:pathLst>
@@ -3041,18 +3041,18 @@
           </p:nvSpPr>
           <p:spPr>
             <a:xfrm>
-              <a:off x="1814924" y="3912405"/>
-              <a:ext cx="596634" cy="0"/>
+              <a:off x="1790587" y="3909833"/>
+              <a:ext cx="598410" cy="0"/>
             </a:xfrm>
             <a:custGeom>
               <a:avLst/>
               <a:pathLst>
-                <a:path w="596634" h="0">
+                <a:path w="598410" h="0">
                   <a:moveTo>
                     <a:pt x="0" y="0"/>
                   </a:moveTo>
                   <a:lnTo>
-                    <a:pt x="596634" y="0"/>
+                    <a:pt x="598410" y="0"/>
                   </a:lnTo>
                 </a:path>
               </a:pathLst>
@@ -3081,18 +3081,18 @@
           </p:nvSpPr>
           <p:spPr>
             <a:xfrm>
-              <a:off x="4201460" y="5705613"/>
-              <a:ext cx="596634" cy="0"/>
+              <a:off x="4184229" y="5711836"/>
+              <a:ext cx="598410" cy="0"/>
             </a:xfrm>
             <a:custGeom>
               <a:avLst/>
               <a:pathLst>
-                <a:path w="596634" h="0">
+                <a:path w="598410" h="0">
                   <a:moveTo>
                     <a:pt x="0" y="0"/>
                   </a:moveTo>
                   <a:lnTo>
-                    <a:pt x="596634" y="0"/>
+                    <a:pt x="598410" y="0"/>
                   </a:lnTo>
                 </a:path>
               </a:pathLst>
@@ -3121,18 +3121,18 @@
           </p:nvSpPr>
           <p:spPr>
             <a:xfrm>
-              <a:off x="4499777" y="5705613"/>
-              <a:ext cx="0" cy="332201"/>
+              <a:off x="4483434" y="5711836"/>
+              <a:ext cx="0" cy="333830"/>
             </a:xfrm>
             <a:custGeom>
               <a:avLst/>
               <a:pathLst>
-                <a:path w="0" h="332201">
+                <a:path w="0" h="333830">
                   <a:moveTo>
                     <a:pt x="0" y="0"/>
                   </a:moveTo>
                   <a:lnTo>
-                    <a:pt x="0" y="332201"/>
+                    <a:pt x="0" y="333830"/>
                   </a:lnTo>
                 </a:path>
               </a:pathLst>
@@ -3161,18 +3161,18 @@
           </p:nvSpPr>
           <p:spPr>
             <a:xfrm>
-              <a:off x="4201460" y="6037814"/>
-              <a:ext cx="596634" cy="0"/>
+              <a:off x="4184229" y="6045666"/>
+              <a:ext cx="598410" cy="0"/>
             </a:xfrm>
             <a:custGeom>
               <a:avLst/>
               <a:pathLst>
-                <a:path w="596634" h="0">
+                <a:path w="598410" h="0">
                   <a:moveTo>
                     <a:pt x="0" y="0"/>
                   </a:moveTo>
                   <a:lnTo>
-                    <a:pt x="596634" y="0"/>
+                    <a:pt x="598410" y="0"/>
                   </a:lnTo>
                 </a:path>
               </a:pathLst>
@@ -3201,18 +3201,18 @@
           </p:nvSpPr>
           <p:spPr>
             <a:xfrm>
-              <a:off x="7781264" y="1658184"/>
-              <a:ext cx="596634" cy="0"/>
+              <a:off x="7774692" y="1644555"/>
+              <a:ext cx="598410" cy="0"/>
             </a:xfrm>
             <a:custGeom>
               <a:avLst/>
               <a:pathLst>
-                <a:path w="596634" h="0">
+                <a:path w="598410" h="0">
                   <a:moveTo>
                     <a:pt x="0" y="0"/>
                   </a:moveTo>
                   <a:lnTo>
-                    <a:pt x="596634" y="0"/>
+                    <a:pt x="598410" y="0"/>
                   </a:lnTo>
                 </a:path>
               </a:pathLst>
@@ -3241,18 +3241,18 @@
           </p:nvSpPr>
           <p:spPr>
             <a:xfrm>
-              <a:off x="8079581" y="1658184"/>
-              <a:ext cx="0" cy="5006745"/>
+              <a:off x="8073897" y="1644555"/>
+              <a:ext cx="0" cy="5031301"/>
             </a:xfrm>
             <a:custGeom>
               <a:avLst/>
               <a:pathLst>
-                <a:path w="0" h="5006745">
+                <a:path w="0" h="5031301">
                   <a:moveTo>
                     <a:pt x="0" y="0"/>
                   </a:moveTo>
                   <a:lnTo>
-                    <a:pt x="0" y="5006745"/>
+                    <a:pt x="0" y="5031301"/>
                   </a:lnTo>
                 </a:path>
               </a:pathLst>
@@ -3281,18 +3281,18 @@
           </p:nvSpPr>
           <p:spPr>
             <a:xfrm>
-              <a:off x="7781264" y="6664929"/>
-              <a:ext cx="596634" cy="0"/>
+              <a:off x="7774692" y="6675857"/>
+              <a:ext cx="598410" cy="0"/>
             </a:xfrm>
             <a:custGeom>
               <a:avLst/>
               <a:pathLst>
-                <a:path w="596634" h="0">
+                <a:path w="598410" h="0">
                   <a:moveTo>
                     <a:pt x="0" y="0"/>
                   </a:moveTo>
                   <a:lnTo>
-                    <a:pt x="596634" y="0"/>
+                    <a:pt x="598410" y="0"/>
                   </a:lnTo>
                 </a:path>
               </a:pathLst>
@@ -3321,15 +3321,15 @@
           </p:nvSpPr>
           <p:spPr>
             <a:xfrm>
-              <a:off x="2113241" y="3319189"/>
-              <a:ext cx="0" cy="4237"/>
+              <a:off x="2089793" y="3313707"/>
+              <a:ext cx="0" cy="4258"/>
             </a:xfrm>
             <a:custGeom>
               <a:avLst/>
               <a:pathLst>
-                <a:path w="0" h="4237">
+                <a:path w="0" h="4258">
                   <a:moveTo>
-                    <a:pt x="0" y="4237"/>
+                    <a:pt x="0" y="4258"/>
                   </a:moveTo>
                   <a:lnTo>
                     <a:pt x="0" y="0"/>
@@ -3361,18 +3361,18 @@
           </p:nvSpPr>
           <p:spPr>
             <a:xfrm>
-              <a:off x="2113241" y="3760711"/>
-              <a:ext cx="0" cy="151693"/>
+              <a:off x="2089793" y="3757395"/>
+              <a:ext cx="0" cy="152437"/>
             </a:xfrm>
             <a:custGeom>
               <a:avLst/>
               <a:pathLst>
-                <a:path w="0" h="151693">
+                <a:path w="0" h="152437">
                   <a:moveTo>
                     <a:pt x="0" y="0"/>
                   </a:moveTo>
                   <a:lnTo>
-                    <a:pt x="0" y="151693"/>
+                    <a:pt x="0" y="152437"/>
                   </a:lnTo>
                 </a:path>
               </a:pathLst>
@@ -3401,24 +3401,24 @@
           </p:nvSpPr>
           <p:spPr>
             <a:xfrm>
-              <a:off x="1665765" y="3323426"/>
-              <a:ext cx="894951" cy="437285"/>
+              <a:off x="1640985" y="3317965"/>
+              <a:ext cx="897615" cy="439429"/>
             </a:xfrm>
             <a:custGeom>
               <a:avLst/>
               <a:pathLst>
-                <a:path w="894951" h="437285">
+                <a:path w="897615" h="439429">
                   <a:moveTo>
                     <a:pt x="0" y="0"/>
                   </a:moveTo>
                   <a:lnTo>
-                    <a:pt x="0" y="437285"/>
-                  </a:lnTo>
-                  <a:lnTo>
-                    <a:pt x="894951" y="437285"/>
-                  </a:lnTo>
-                  <a:lnTo>
-                    <a:pt x="894951" y="0"/>
+                    <a:pt x="0" y="439429"/>
+                  </a:lnTo>
+                  <a:lnTo>
+                    <a:pt x="897615" y="439429"/>
+                  </a:lnTo>
+                  <a:lnTo>
+                    <a:pt x="897615" y="0"/>
                   </a:lnTo>
                   <a:close/>
                 </a:path>
@@ -3453,18 +3453,18 @@
           </p:nvSpPr>
           <p:spPr>
             <a:xfrm>
-              <a:off x="1665765" y="3529357"/>
-              <a:ext cx="894951" cy="0"/>
+              <a:off x="1640985" y="3524906"/>
+              <a:ext cx="897615" cy="0"/>
             </a:xfrm>
             <a:custGeom>
               <a:avLst/>
               <a:pathLst>
-                <a:path w="894951" h="0">
+                <a:path w="897615" h="0">
                   <a:moveTo>
                     <a:pt x="0" y="0"/>
                   </a:moveTo>
                   <a:lnTo>
-                    <a:pt x="894951" y="0"/>
+                    <a:pt x="897615" y="0"/>
                   </a:lnTo>
                 </a:path>
               </a:pathLst>
@@ -3493,15 +3493,15 @@
           </p:nvSpPr>
           <p:spPr>
             <a:xfrm>
-              <a:off x="4499777" y="5705613"/>
-              <a:ext cx="0" cy="83050"/>
+              <a:off x="4483434" y="5711836"/>
+              <a:ext cx="0" cy="83457"/>
             </a:xfrm>
             <a:custGeom>
               <a:avLst/>
               <a:pathLst>
-                <a:path w="0" h="83050">
+                <a:path w="0" h="83457">
                   <a:moveTo>
-                    <a:pt x="0" y="83050"/>
+                    <a:pt x="0" y="83457"/>
                   </a:moveTo>
                   <a:lnTo>
                     <a:pt x="0" y="0"/>
@@ -3533,18 +3533,18 @@
           </p:nvSpPr>
           <p:spPr>
             <a:xfrm>
-              <a:off x="4499777" y="5954764"/>
-              <a:ext cx="0" cy="83050"/>
+              <a:off x="4483434" y="5962209"/>
+              <a:ext cx="0" cy="83457"/>
             </a:xfrm>
             <a:custGeom>
               <a:avLst/>
               <a:pathLst>
-                <a:path w="0" h="83050">
+                <a:path w="0" h="83457">
                   <a:moveTo>
                     <a:pt x="0" y="0"/>
                   </a:moveTo>
                   <a:lnTo>
-                    <a:pt x="0" y="83050"/>
+                    <a:pt x="0" y="83457"/>
                   </a:lnTo>
                 </a:path>
               </a:pathLst>
@@ -3573,24 +3573,24 @@
           </p:nvSpPr>
           <p:spPr>
             <a:xfrm>
-              <a:off x="4052301" y="5788664"/>
-              <a:ext cx="894951" cy="166100"/>
+              <a:off x="4034626" y="5795294"/>
+              <a:ext cx="897615" cy="166915"/>
             </a:xfrm>
             <a:custGeom>
               <a:avLst/>
               <a:pathLst>
-                <a:path w="894951" h="166100">
+                <a:path w="897615" h="166915">
                   <a:moveTo>
                     <a:pt x="0" y="0"/>
                   </a:moveTo>
                   <a:lnTo>
-                    <a:pt x="0" y="166100"/>
-                  </a:lnTo>
-                  <a:lnTo>
-                    <a:pt x="894951" y="166100"/>
-                  </a:lnTo>
-                  <a:lnTo>
-                    <a:pt x="894951" y="0"/>
+                    <a:pt x="0" y="166915"/>
+                  </a:lnTo>
+                  <a:lnTo>
+                    <a:pt x="897615" y="166915"/>
+                  </a:lnTo>
+                  <a:lnTo>
+                    <a:pt x="897615" y="0"/>
                   </a:lnTo>
                   <a:close/>
                 </a:path>
@@ -3625,18 +3625,18 @@
           </p:nvSpPr>
           <p:spPr>
             <a:xfrm>
-              <a:off x="4052301" y="5871714"/>
-              <a:ext cx="894951" cy="0"/>
+              <a:off x="4034626" y="5878751"/>
+              <a:ext cx="897615" cy="0"/>
             </a:xfrm>
             <a:custGeom>
               <a:avLst/>
               <a:pathLst>
-                <a:path w="894951" h="0">
+                <a:path w="897615" h="0">
                   <a:moveTo>
                     <a:pt x="0" y="0"/>
                   </a:moveTo>
                   <a:lnTo>
-                    <a:pt x="894951" y="0"/>
+                    <a:pt x="897615" y="0"/>
                   </a:lnTo>
                 </a:path>
               </a:pathLst>
@@ -3665,15 +3665,15 @@
           </p:nvSpPr>
           <p:spPr>
             <a:xfrm>
-              <a:off x="8079581" y="1658184"/>
-              <a:ext cx="0" cy="809316"/>
+              <a:off x="8073897" y="1644555"/>
+              <a:ext cx="0" cy="813285"/>
             </a:xfrm>
             <a:custGeom>
               <a:avLst/>
               <a:pathLst>
-                <a:path w="0" h="809316">
+                <a:path w="0" h="813285">
                   <a:moveTo>
-                    <a:pt x="0" y="809316"/>
+                    <a:pt x="0" y="813285"/>
                   </a:moveTo>
                   <a:lnTo>
                     <a:pt x="0" y="0"/>
@@ -3705,18 +3705,18 @@
           </p:nvSpPr>
           <p:spPr>
             <a:xfrm>
-              <a:off x="8079581" y="4511554"/>
-              <a:ext cx="0" cy="2153375"/>
+              <a:off x="8073897" y="4511920"/>
+              <a:ext cx="0" cy="2163936"/>
             </a:xfrm>
             <a:custGeom>
               <a:avLst/>
               <a:pathLst>
-                <a:path w="0" h="2153375">
+                <a:path w="0" h="2163936">
                   <a:moveTo>
                     <a:pt x="0" y="0"/>
                   </a:moveTo>
                   <a:lnTo>
-                    <a:pt x="0" y="2153375"/>
+                    <a:pt x="0" y="2163936"/>
                   </a:lnTo>
                 </a:path>
               </a:pathLst>
@@ -3745,24 +3745,24 @@
           </p:nvSpPr>
           <p:spPr>
             <a:xfrm>
-              <a:off x="7632106" y="2467500"/>
-              <a:ext cx="894951" cy="2044053"/>
+              <a:off x="7625089" y="2457841"/>
+              <a:ext cx="897615" cy="2054079"/>
             </a:xfrm>
             <a:custGeom>
               <a:avLst/>
               <a:pathLst>
-                <a:path w="894951" h="2044053">
+                <a:path w="897615" h="2054079">
                   <a:moveTo>
                     <a:pt x="0" y="0"/>
                   </a:moveTo>
                   <a:lnTo>
-                    <a:pt x="0" y="2044053"/>
-                  </a:lnTo>
-                  <a:lnTo>
-                    <a:pt x="894951" y="2044053"/>
-                  </a:lnTo>
-                  <a:lnTo>
-                    <a:pt x="894951" y="0"/>
+                    <a:pt x="0" y="2054079"/>
+                  </a:lnTo>
+                  <a:lnTo>
+                    <a:pt x="897615" y="2054079"/>
+                  </a:lnTo>
+                  <a:lnTo>
+                    <a:pt x="897615" y="0"/>
                   </a:lnTo>
                   <a:close/>
                 </a:path>
@@ -3797,18 +3797,18 @@
           </p:nvSpPr>
           <p:spPr>
             <a:xfrm>
-              <a:off x="7632106" y="3073428"/>
-              <a:ext cx="894951" cy="0"/>
+              <a:off x="7625089" y="3066741"/>
+              <a:ext cx="897615" cy="0"/>
             </a:xfrm>
             <a:custGeom>
               <a:avLst/>
               <a:pathLst>
-                <a:path w="894951" h="0">
+                <a:path w="897615" h="0">
                   <a:moveTo>
                     <a:pt x="0" y="0"/>
                   </a:moveTo>
                   <a:lnTo>
-                    <a:pt x="894951" y="0"/>
+                    <a:pt x="897615" y="0"/>
                   </a:lnTo>
                 </a:path>
               </a:pathLst>
@@ -3837,8 +3837,8 @@
           </p:nvSpPr>
           <p:spPr>
             <a:xfrm>
-              <a:off x="1397280" y="1407846"/>
-              <a:ext cx="8591530" cy="5507419"/>
+              <a:off x="1371700" y="1392990"/>
+              <a:ext cx="8617110" cy="5534432"/>
             </a:xfrm>
             <a:prstGeom prst="rect">
               <a:avLst/>
@@ -3867,8 +3867,8 @@
           </p:nvSpPr>
           <p:spPr>
             <a:xfrm>
-              <a:off x="1148183" y="6779168"/>
-              <a:ext cx="186466" cy="81691"/>
+              <a:off x="1141430" y="6792716"/>
+              <a:ext cx="167640" cy="76835"/>
             </a:xfrm>
             <a:prstGeom prst="rect">
               <a:avLst/>
@@ -3897,8 +3897,8 @@
                       <a:alpha val="100000"/>
                     </a:srgbClr>
                   </a:solidFill>
-                  <a:latin typeface="Arial"/>
-                  <a:cs typeface="Arial"/>
+                  <a:latin typeface="Times New Roman"/>
+                  <a:cs typeface="Times New Roman"/>
                 </a:rPr>
                 <a:t>100</a:t>
               </a:r>
@@ -3913,8 +3913,8 @@
           </p:nvSpPr>
           <p:spPr>
             <a:xfrm>
-              <a:off x="1148183" y="5084265"/>
-              <a:ext cx="186466" cy="81691"/>
+              <a:off x="1141430" y="5089499"/>
+              <a:ext cx="167640" cy="76835"/>
             </a:xfrm>
             <a:prstGeom prst="rect">
               <a:avLst/>
@@ -3943,8 +3943,8 @@
                       <a:alpha val="100000"/>
                     </a:srgbClr>
                   </a:solidFill>
-                  <a:latin typeface="Arial"/>
-                  <a:cs typeface="Arial"/>
+                  <a:latin typeface="Times New Roman"/>
+                  <a:cs typeface="Times New Roman"/>
                 </a:rPr>
                 <a:t>150</a:t>
               </a:r>
@@ -3959,8 +3959,8 @@
           </p:nvSpPr>
           <p:spPr>
             <a:xfrm>
-              <a:off x="1148183" y="3389361"/>
-              <a:ext cx="186466" cy="81691"/>
+              <a:off x="1141430" y="3386283"/>
+              <a:ext cx="167640" cy="76835"/>
             </a:xfrm>
             <a:prstGeom prst="rect">
               <a:avLst/>
@@ -3989,8 +3989,8 @@
                       <a:alpha val="100000"/>
                     </a:srgbClr>
                   </a:solidFill>
-                  <a:latin typeface="Arial"/>
-                  <a:cs typeface="Arial"/>
+                  <a:latin typeface="Times New Roman"/>
+                  <a:cs typeface="Times New Roman"/>
                 </a:rPr>
                 <a:t>200</a:t>
               </a:r>
@@ -4005,8 +4005,8 @@
           </p:nvSpPr>
           <p:spPr>
             <a:xfrm>
-              <a:off x="1148183" y="1694457"/>
-              <a:ext cx="186466" cy="81691"/>
+              <a:off x="1141430" y="1683066"/>
+              <a:ext cx="167640" cy="76835"/>
             </a:xfrm>
             <a:prstGeom prst="rect">
               <a:avLst/>
@@ -4035,8 +4035,8 @@
                       <a:alpha val="100000"/>
                     </a:srgbClr>
                   </a:solidFill>
-                  <a:latin typeface="Arial"/>
-                  <a:cs typeface="Arial"/>
+                  <a:latin typeface="Times New Roman"/>
+                  <a:cs typeface="Times New Roman"/>
                 </a:rPr>
                 <a:t>250</a:t>
               </a:r>
@@ -4051,7 +4051,7 @@
           </p:nvSpPr>
           <p:spPr>
             <a:xfrm>
-              <a:off x="1362485" y="6820860"/>
+              <a:off x="1336905" y="6832552"/>
               <a:ext cx="34794" cy="0"/>
             </a:xfrm>
             <a:custGeom>
@@ -4091,7 +4091,7 @@
           </p:nvSpPr>
           <p:spPr>
             <a:xfrm>
-              <a:off x="1362485" y="5125956"/>
+              <a:off x="1336905" y="5129336"/>
               <a:ext cx="34794" cy="0"/>
             </a:xfrm>
             <a:custGeom>
@@ -4131,7 +4131,7 @@
           </p:nvSpPr>
           <p:spPr>
             <a:xfrm>
-              <a:off x="1362485" y="3431053"/>
+              <a:off x="1336905" y="3426119"/>
               <a:ext cx="34794" cy="0"/>
             </a:xfrm>
             <a:custGeom>
@@ -4171,7 +4171,7 @@
           </p:nvSpPr>
           <p:spPr>
             <a:xfrm>
-              <a:off x="1362485" y="1736149"/>
+              <a:off x="1336905" y="1722903"/>
               <a:ext cx="34794" cy="0"/>
             </a:xfrm>
             <a:custGeom>
@@ -4211,7 +4211,7 @@
           </p:nvSpPr>
           <p:spPr>
             <a:xfrm>
-              <a:off x="2113241" y="6915266"/>
+              <a:off x="2089793" y="6927422"/>
               <a:ext cx="0" cy="34794"/>
             </a:xfrm>
             <a:custGeom>
@@ -4251,7 +4251,7 @@
           </p:nvSpPr>
           <p:spPr>
             <a:xfrm>
-              <a:off x="3306509" y="6915266"/>
+              <a:off x="3286613" y="6927422"/>
               <a:ext cx="0" cy="34794"/>
             </a:xfrm>
             <a:custGeom>
@@ -4291,7 +4291,7 @@
           </p:nvSpPr>
           <p:spPr>
             <a:xfrm>
-              <a:off x="4499777" y="6915266"/>
+              <a:off x="4483434" y="6927422"/>
               <a:ext cx="0" cy="34794"/>
             </a:xfrm>
             <a:custGeom>
@@ -4331,7 +4331,7 @@
           </p:nvSpPr>
           <p:spPr>
             <a:xfrm>
-              <a:off x="5693045" y="6915266"/>
+              <a:off x="5680255" y="6927422"/>
               <a:ext cx="0" cy="34794"/>
             </a:xfrm>
             <a:custGeom>
@@ -4371,7 +4371,7 @@
           </p:nvSpPr>
           <p:spPr>
             <a:xfrm>
-              <a:off x="6886313" y="6915266"/>
+              <a:off x="6877076" y="6927422"/>
               <a:ext cx="0" cy="34794"/>
             </a:xfrm>
             <a:custGeom>
@@ -4411,7 +4411,7 @@
           </p:nvSpPr>
           <p:spPr>
             <a:xfrm>
-              <a:off x="8079581" y="6915266"/>
+              <a:off x="8073897" y="6927422"/>
               <a:ext cx="0" cy="34794"/>
             </a:xfrm>
             <a:custGeom>
@@ -4451,7 +4451,7 @@
           </p:nvSpPr>
           <p:spPr>
             <a:xfrm>
-              <a:off x="9272850" y="6915266"/>
+              <a:off x="9270718" y="6927422"/>
               <a:ext cx="0" cy="34794"/>
             </a:xfrm>
             <a:custGeom>
@@ -4491,8 +4491,8 @@
           </p:nvSpPr>
           <p:spPr>
             <a:xfrm>
-              <a:off x="1883363" y="6976587"/>
-              <a:ext cx="459754" cy="81309"/>
+              <a:off x="1872575" y="6984922"/>
+              <a:ext cx="434434" cy="79126"/>
             </a:xfrm>
             <a:prstGeom prst="rect">
               <a:avLst/>
@@ -4521,8 +4521,8 @@
                       <a:alpha val="100000"/>
                     </a:srgbClr>
                   </a:solidFill>
-                  <a:latin typeface="Arial"/>
-                  <a:cs typeface="Arial"/>
+                  <a:latin typeface="Times New Roman"/>
+                  <a:cs typeface="Times New Roman"/>
                 </a:rPr>
                 <a:t>Alveolata</a:t>
               </a:r>
@@ -4537,8 +4537,8 @@
           </p:nvSpPr>
           <p:spPr>
             <a:xfrm>
-              <a:off x="3104626" y="6976587"/>
-              <a:ext cx="403765" cy="81309"/>
+              <a:off x="3103503" y="6984922"/>
+              <a:ext cx="366221" cy="79126"/>
             </a:xfrm>
             <a:prstGeom prst="rect">
               <a:avLst/>
@@ -4567,8 +4567,8 @@
                       <a:alpha val="100000"/>
                     </a:srgbClr>
                   </a:solidFill>
-                  <a:latin typeface="Arial"/>
-                  <a:cs typeface="Arial"/>
+                  <a:latin typeface="Times New Roman"/>
+                  <a:cs typeface="Times New Roman"/>
                 </a:rPr>
                 <a:t>Discoba</a:t>
               </a:r>
@@ -4583,8 +4583,8 @@
           </p:nvSpPr>
           <p:spPr>
             <a:xfrm>
-              <a:off x="4173610" y="6976587"/>
-              <a:ext cx="652333" cy="81309"/>
+              <a:off x="4191729" y="6984922"/>
+              <a:ext cx="583411" cy="79126"/>
             </a:xfrm>
             <a:prstGeom prst="rect">
               <a:avLst/>
@@ -4613,8 +4613,8 @@
                       <a:alpha val="100000"/>
                     </a:srgbClr>
                   </a:solidFill>
-                  <a:latin typeface="Arial"/>
-                  <a:cs typeface="Arial"/>
+                  <a:latin typeface="Times New Roman"/>
+                  <a:cs typeface="Times New Roman"/>
                 </a:rPr>
                 <a:t>Metamonada</a:t>
               </a:r>
@@ -4629,8 +4629,8 @@
           </p:nvSpPr>
           <p:spPr>
             <a:xfrm>
-              <a:off x="5488079" y="6976587"/>
-              <a:ext cx="409932" cy="81309"/>
+              <a:off x="5490978" y="6985413"/>
+              <a:ext cx="378554" cy="78635"/>
             </a:xfrm>
             <a:prstGeom prst="rect">
               <a:avLst/>
@@ -4659,8 +4659,8 @@
                       <a:alpha val="100000"/>
                     </a:srgbClr>
                   </a:solidFill>
-                  <a:latin typeface="Arial"/>
-                  <a:cs typeface="Arial"/>
+                  <a:latin typeface="Times New Roman"/>
+                  <a:cs typeface="Times New Roman"/>
                 </a:rPr>
                 <a:t>Rhizaria</a:t>
               </a:r>
@@ -4675,8 +4675,8 @@
           </p:nvSpPr>
           <p:spPr>
             <a:xfrm>
-              <a:off x="6584949" y="6954376"/>
-              <a:ext cx="602729" cy="103519"/>
+              <a:off x="6603897" y="6962330"/>
+              <a:ext cx="546357" cy="101719"/>
             </a:xfrm>
             <a:prstGeom prst="rect">
               <a:avLst/>
@@ -4705,8 +4705,8 @@
                       <a:alpha val="100000"/>
                     </a:srgbClr>
                   </a:solidFill>
-                  <a:latin typeface="Arial"/>
-                  <a:cs typeface="Arial"/>
+                  <a:latin typeface="Times New Roman"/>
+                  <a:cs typeface="Times New Roman"/>
                 </a:rPr>
                 <a:t>Rhodophyta</a:t>
               </a:r>
@@ -4721,8 +4721,8 @@
           </p:nvSpPr>
           <p:spPr>
             <a:xfrm>
-              <a:off x="7722391" y="6954322"/>
-              <a:ext cx="714379" cy="103574"/>
+              <a:off x="7754197" y="6962548"/>
+              <a:ext cx="639400" cy="101500"/>
             </a:xfrm>
             <a:prstGeom prst="rect">
               <a:avLst/>
@@ -4751,8 +4751,8 @@
                       <a:alpha val="100000"/>
                     </a:srgbClr>
                   </a:solidFill>
-                  <a:latin typeface="Arial"/>
-                  <a:cs typeface="Arial"/>
+                  <a:latin typeface="Times New Roman"/>
+                  <a:cs typeface="Times New Roman"/>
                 </a:rPr>
                 <a:t>Stramenopiles</a:t>
               </a:r>
@@ -4767,8 +4767,8 @@
           </p:nvSpPr>
           <p:spPr>
             <a:xfrm>
-              <a:off x="8955987" y="6953012"/>
-              <a:ext cx="633725" cy="104884"/>
+              <a:off x="8985151" y="6962330"/>
+              <a:ext cx="571132" cy="101719"/>
             </a:xfrm>
             <a:prstGeom prst="rect">
               <a:avLst/>
@@ -4797,8 +4797,8 @@
                       <a:alpha val="100000"/>
                     </a:srgbClr>
                   </a:solidFill>
-                  <a:latin typeface="Arial"/>
-                  <a:cs typeface="Arial"/>
+                  <a:latin typeface="Times New Roman"/>
+                  <a:cs typeface="Times New Roman"/>
                 </a:rPr>
                 <a:t>Streptophyta</a:t>
               </a:r>
@@ -4813,8 +4813,8 @@
           </p:nvSpPr>
           <p:spPr>
             <a:xfrm>
-              <a:off x="5258188" y="7086743"/>
-              <a:ext cx="869714" cy="129468"/>
+              <a:off x="5294170" y="7090972"/>
+              <a:ext cx="772169" cy="124488"/>
             </a:xfrm>
             <a:prstGeom prst="rect">
               <a:avLst/>
@@ -4843,8 +4843,8 @@
                       <a:alpha val="100000"/>
                     </a:srgbClr>
                   </a:solidFill>
-                  <a:latin typeface="Arial"/>
-                  <a:cs typeface="Arial"/>
+                  <a:latin typeface="Times New Roman"/>
+                  <a:cs typeface="Times New Roman"/>
                 </a:rPr>
                 <a:t>Super Groups</a:t>
               </a:r>
@@ -4859,8 +4859,8 @@
           </p:nvSpPr>
           <p:spPr>
             <a:xfrm rot="-5400000">
-              <a:off x="415025" y="4109851"/>
-              <a:ext cx="1234516" cy="103410"/>
+              <a:off x="460455" y="4110649"/>
+              <a:ext cx="1132947" cy="99113"/>
             </a:xfrm>
             <a:prstGeom prst="rect">
               <a:avLst/>
@@ -4889,8 +4889,8 @@
                       <a:alpha val="100000"/>
                     </a:srgbClr>
                   </a:solidFill>
-                  <a:latin typeface="Arial"/>
-                  <a:cs typeface="Arial"/>
+                  <a:latin typeface="Times New Roman"/>
+                  <a:cs typeface="Times New Roman"/>
                 </a:rPr>
                 <a:t>SIN1 Domain Score</a:t>
               </a:r>
@@ -4905,8 +4905,8 @@
           </p:nvSpPr>
           <p:spPr>
             <a:xfrm>
-              <a:off x="1397280" y="1177752"/>
-              <a:ext cx="1723876" cy="131105"/>
+              <a:off x="1371700" y="1166102"/>
+              <a:ext cx="1563644" cy="127148"/>
             </a:xfrm>
             <a:prstGeom prst="rect">
               <a:avLst/>
@@ -4935,8 +4935,8 @@
                       <a:alpha val="100000"/>
                     </a:srgbClr>
                   </a:solidFill>
-                  <a:latin typeface="Arial"/>
-                  <a:cs typeface="Arial"/>
+                  <a:latin typeface="Times New Roman"/>
+                  <a:cs typeface="Times New Roman"/>
                 </a:rPr>
                 <a:t>By Associated Super Group</a:t>
               </a:r>
@@ -4951,8 +4951,8 @@
           </p:nvSpPr>
           <p:spPr>
             <a:xfrm>
-              <a:off x="1397280" y="979896"/>
-              <a:ext cx="1565240" cy="124092"/>
+              <a:off x="1371700" y="976049"/>
+              <a:ext cx="1424776" cy="118935"/>
             </a:xfrm>
             <a:prstGeom prst="rect">
               <a:avLst/>
@@ -4981,8 +4981,8 @@
                       <a:alpha val="100000"/>
                     </a:srgbClr>
                   </a:solidFill>
-                  <a:latin typeface="Arial"/>
-                  <a:cs typeface="Arial"/>
+                  <a:latin typeface="Times New Roman"/>
+                  <a:cs typeface="Times New Roman"/>
                 </a:rPr>
                 <a:t>SIN1 Domain Scores</a:t>
               </a:r>

--- a/Images/Figures_PPT/Box_Plot_SIN1_Domain.pptx
+++ b/Images/Figures_PPT/Box_Plot_SIN1_Domain.pptx
@@ -4813,8 +4813,8 @@
           </p:nvSpPr>
           <p:spPr>
             <a:xfrm>
-              <a:off x="5294170" y="7090972"/>
-              <a:ext cx="772169" cy="124488"/>
+              <a:off x="5517329" y="7116347"/>
+              <a:ext cx="325852" cy="99113"/>
             </a:xfrm>
             <a:prstGeom prst="rect">
               <a:avLst/>
@@ -4846,7 +4846,7 @@
                   <a:latin typeface="Times New Roman"/>
                   <a:cs typeface="Times New Roman"/>
                 </a:rPr>
-                <a:t>Super Groups</a:t>
+                <a:t>Clade</a:t>
               </a:r>
             </a:p>
           </p:txBody>
@@ -4906,7 +4906,7 @@
           <p:spPr>
             <a:xfrm>
               <a:off x="1371700" y="1166102"/>
-              <a:ext cx="1563644" cy="127148"/>
+              <a:ext cx="1171692" cy="127148"/>
             </a:xfrm>
             <a:prstGeom prst="rect">
               <a:avLst/>
@@ -4938,7 +4938,7 @@
                   <a:latin typeface="Times New Roman"/>
                   <a:cs typeface="Times New Roman"/>
                 </a:rPr>
-                <a:t>By Associated Super Group</a:t>
+                <a:t>By Associated Clade</a:t>
               </a:r>
             </a:p>
           </p:txBody>

--- a/Images/Figures_PPT/Box_Plot_SIN1_Domain.pptx
+++ b/Images/Figures_PPT/Box_Plot_SIN1_Domain.pptx
@@ -2298,8 +2298,8 @@
           </p:nvSpPr>
           <p:spPr>
             <a:xfrm>
-              <a:off x="10058399" y="914400"/>
-              <a:ext cx="0" cy="6400800"/>
+              <a:off x="914400" y="914400"/>
+              <a:ext cx="9144000" cy="6400800"/>
             </a:xfrm>
             <a:prstGeom prst="rect">
               <a:avLst/>
@@ -2333,8 +2333,8 @@
           </p:nvSpPr>
           <p:spPr>
             <a:xfrm>
-              <a:off x="1371700" y="1392990"/>
-              <a:ext cx="8617110" cy="5534432"/>
+              <a:off x="1609207" y="1613754"/>
+              <a:ext cx="8379603" cy="5133042"/>
             </a:xfrm>
             <a:prstGeom prst="rect">
               <a:avLst/>
@@ -2359,21 +2359,21 @@
           </p:nvSpPr>
           <p:spPr>
             <a:xfrm>
-              <a:off x="1371700" y="5980944"/>
-              <a:ext cx="8617110" cy="0"/>
+              <a:off x="1609207" y="5868963"/>
+              <a:ext cx="8379603" cy="0"/>
             </a:xfrm>
             <a:custGeom>
               <a:avLst/>
               <a:pathLst>
-                <a:path w="8617110" h="0">
+                <a:path w="8379603" h="0">
                   <a:moveTo>
                     <a:pt x="0" y="0"/>
                   </a:moveTo>
                   <a:lnTo>
-                    <a:pt x="8617110" y="0"/>
-                  </a:lnTo>
-                  <a:lnTo>
-                    <a:pt x="8617110" y="0"/>
+                    <a:pt x="8379603" y="0"/>
+                  </a:lnTo>
+                  <a:lnTo>
+                    <a:pt x="8379603" y="0"/>
                   </a:lnTo>
                 </a:path>
               </a:pathLst>
@@ -2402,21 +2402,21 @@
           </p:nvSpPr>
           <p:spPr>
             <a:xfrm>
-              <a:off x="1371700" y="4277728"/>
-              <a:ext cx="8617110" cy="0"/>
+              <a:off x="1609207" y="4289274"/>
+              <a:ext cx="8379603" cy="0"/>
             </a:xfrm>
             <a:custGeom>
               <a:avLst/>
               <a:pathLst>
-                <a:path w="8617110" h="0">
+                <a:path w="8379603" h="0">
                   <a:moveTo>
                     <a:pt x="0" y="0"/>
                   </a:moveTo>
                   <a:lnTo>
-                    <a:pt x="8617110" y="0"/>
-                  </a:lnTo>
-                  <a:lnTo>
-                    <a:pt x="8617110" y="0"/>
+                    <a:pt x="8379603" y="0"/>
+                  </a:lnTo>
+                  <a:lnTo>
+                    <a:pt x="8379603" y="0"/>
                   </a:lnTo>
                 </a:path>
               </a:pathLst>
@@ -2445,21 +2445,21 @@
           </p:nvSpPr>
           <p:spPr>
             <a:xfrm>
-              <a:off x="1371700" y="2574511"/>
-              <a:ext cx="8617110" cy="0"/>
+              <a:off x="1609207" y="2709584"/>
+              <a:ext cx="8379603" cy="0"/>
             </a:xfrm>
             <a:custGeom>
               <a:avLst/>
               <a:pathLst>
-                <a:path w="8617110" h="0">
+                <a:path w="8379603" h="0">
                   <a:moveTo>
                     <a:pt x="0" y="0"/>
                   </a:moveTo>
                   <a:lnTo>
-                    <a:pt x="8617110" y="0"/>
-                  </a:lnTo>
-                  <a:lnTo>
-                    <a:pt x="8617110" y="0"/>
+                    <a:pt x="8379603" y="0"/>
+                  </a:lnTo>
+                  <a:lnTo>
+                    <a:pt x="8379603" y="0"/>
                   </a:lnTo>
                 </a:path>
               </a:pathLst>
@@ -2488,21 +2488,21 @@
           </p:nvSpPr>
           <p:spPr>
             <a:xfrm>
-              <a:off x="1371700" y="6832552"/>
-              <a:ext cx="8617110" cy="0"/>
+              <a:off x="1609207" y="6658808"/>
+              <a:ext cx="8379603" cy="0"/>
             </a:xfrm>
             <a:custGeom>
               <a:avLst/>
               <a:pathLst>
-                <a:path w="8617110" h="0">
+                <a:path w="8379603" h="0">
                   <a:moveTo>
                     <a:pt x="0" y="0"/>
                   </a:moveTo>
                   <a:lnTo>
-                    <a:pt x="8617110" y="0"/>
-                  </a:lnTo>
-                  <a:lnTo>
-                    <a:pt x="8617110" y="0"/>
+                    <a:pt x="8379603" y="0"/>
+                  </a:lnTo>
+                  <a:lnTo>
+                    <a:pt x="8379603" y="0"/>
                   </a:lnTo>
                 </a:path>
               </a:pathLst>
@@ -2531,21 +2531,21 @@
           </p:nvSpPr>
           <p:spPr>
             <a:xfrm>
-              <a:off x="1371700" y="5129336"/>
-              <a:ext cx="8617110" cy="0"/>
+              <a:off x="1609207" y="5079118"/>
+              <a:ext cx="8379603" cy="0"/>
             </a:xfrm>
             <a:custGeom>
               <a:avLst/>
               <a:pathLst>
-                <a:path w="8617110" h="0">
+                <a:path w="8379603" h="0">
                   <a:moveTo>
                     <a:pt x="0" y="0"/>
                   </a:moveTo>
                   <a:lnTo>
-                    <a:pt x="8617110" y="0"/>
-                  </a:lnTo>
-                  <a:lnTo>
-                    <a:pt x="8617110" y="0"/>
+                    <a:pt x="8379603" y="0"/>
+                  </a:lnTo>
+                  <a:lnTo>
+                    <a:pt x="8379603" y="0"/>
                   </a:lnTo>
                 </a:path>
               </a:pathLst>
@@ -2574,21 +2574,21 @@
           </p:nvSpPr>
           <p:spPr>
             <a:xfrm>
-              <a:off x="1371700" y="3426119"/>
-              <a:ext cx="8617110" cy="0"/>
+              <a:off x="1609207" y="3499429"/>
+              <a:ext cx="8379603" cy="0"/>
             </a:xfrm>
             <a:custGeom>
               <a:avLst/>
               <a:pathLst>
-                <a:path w="8617110" h="0">
+                <a:path w="8379603" h="0">
                   <a:moveTo>
                     <a:pt x="0" y="0"/>
                   </a:moveTo>
                   <a:lnTo>
-                    <a:pt x="8617110" y="0"/>
-                  </a:lnTo>
-                  <a:lnTo>
-                    <a:pt x="8617110" y="0"/>
+                    <a:pt x="8379603" y="0"/>
+                  </a:lnTo>
+                  <a:lnTo>
+                    <a:pt x="8379603" y="0"/>
                   </a:lnTo>
                 </a:path>
               </a:pathLst>
@@ -2617,21 +2617,21 @@
           </p:nvSpPr>
           <p:spPr>
             <a:xfrm>
-              <a:off x="1371700" y="1722903"/>
-              <a:ext cx="8617110" cy="0"/>
+              <a:off x="1609207" y="1919740"/>
+              <a:ext cx="8379603" cy="0"/>
             </a:xfrm>
             <a:custGeom>
               <a:avLst/>
               <a:pathLst>
-                <a:path w="8617110" h="0">
+                <a:path w="8379603" h="0">
                   <a:moveTo>
                     <a:pt x="0" y="0"/>
                   </a:moveTo>
                   <a:lnTo>
-                    <a:pt x="8617110" y="0"/>
-                  </a:lnTo>
-                  <a:lnTo>
-                    <a:pt x="8617110" y="0"/>
+                    <a:pt x="8379603" y="0"/>
+                  </a:lnTo>
+                  <a:lnTo>
+                    <a:pt x="8379603" y="0"/>
                   </a:lnTo>
                 </a:path>
               </a:pathLst>
@@ -2660,15 +2660,15 @@
           </p:nvSpPr>
           <p:spPr>
             <a:xfrm>
-              <a:off x="2089793" y="1392990"/>
-              <a:ext cx="0" cy="5534432"/>
+              <a:off x="2307508" y="1613754"/>
+              <a:ext cx="0" cy="5133042"/>
             </a:xfrm>
             <a:custGeom>
               <a:avLst/>
               <a:pathLst>
-                <a:path w="0" h="5534432">
+                <a:path w="0" h="5133042">
                   <a:moveTo>
-                    <a:pt x="0" y="5534432"/>
+                    <a:pt x="0" y="5133042"/>
                   </a:moveTo>
                   <a:lnTo>
                     <a:pt x="0" y="0"/>
@@ -2703,15 +2703,15 @@
           </p:nvSpPr>
           <p:spPr>
             <a:xfrm>
-              <a:off x="3286613" y="1392990"/>
-              <a:ext cx="0" cy="5534432"/>
+              <a:off x="3471341" y="1613754"/>
+              <a:ext cx="0" cy="5133042"/>
             </a:xfrm>
             <a:custGeom>
               <a:avLst/>
               <a:pathLst>
-                <a:path w="0" h="5534432">
+                <a:path w="0" h="5133042">
                   <a:moveTo>
-                    <a:pt x="0" y="5534432"/>
+                    <a:pt x="0" y="5133042"/>
                   </a:moveTo>
                   <a:lnTo>
                     <a:pt x="0" y="0"/>
@@ -2746,15 +2746,15 @@
           </p:nvSpPr>
           <p:spPr>
             <a:xfrm>
-              <a:off x="4483434" y="1392990"/>
-              <a:ext cx="0" cy="5534432"/>
+              <a:off x="4635175" y="1613754"/>
+              <a:ext cx="0" cy="5133042"/>
             </a:xfrm>
             <a:custGeom>
               <a:avLst/>
               <a:pathLst>
-                <a:path w="0" h="5534432">
+                <a:path w="0" h="5133042">
                   <a:moveTo>
-                    <a:pt x="0" y="5534432"/>
+                    <a:pt x="0" y="5133042"/>
                   </a:moveTo>
                   <a:lnTo>
                     <a:pt x="0" y="0"/>
@@ -2789,15 +2789,15 @@
           </p:nvSpPr>
           <p:spPr>
             <a:xfrm>
-              <a:off x="5680255" y="1392990"/>
-              <a:ext cx="0" cy="5534432"/>
+              <a:off x="5799009" y="1613754"/>
+              <a:ext cx="0" cy="5133042"/>
             </a:xfrm>
             <a:custGeom>
               <a:avLst/>
               <a:pathLst>
-                <a:path w="0" h="5534432">
+                <a:path w="0" h="5133042">
                   <a:moveTo>
-                    <a:pt x="0" y="5534432"/>
+                    <a:pt x="0" y="5133042"/>
                   </a:moveTo>
                   <a:lnTo>
                     <a:pt x="0" y="0"/>
@@ -2832,15 +2832,15 @@
           </p:nvSpPr>
           <p:spPr>
             <a:xfrm>
-              <a:off x="6877076" y="1392990"/>
-              <a:ext cx="0" cy="5534432"/>
+              <a:off x="6962843" y="1613754"/>
+              <a:ext cx="0" cy="5133042"/>
             </a:xfrm>
             <a:custGeom>
               <a:avLst/>
               <a:pathLst>
-                <a:path w="0" h="5534432">
+                <a:path w="0" h="5133042">
                   <a:moveTo>
-                    <a:pt x="0" y="5534432"/>
+                    <a:pt x="0" y="5133042"/>
                   </a:moveTo>
                   <a:lnTo>
                     <a:pt x="0" y="0"/>
@@ -2875,15 +2875,15 @@
           </p:nvSpPr>
           <p:spPr>
             <a:xfrm>
-              <a:off x="8073897" y="1392990"/>
-              <a:ext cx="0" cy="5534432"/>
+              <a:off x="8126676" y="1613754"/>
+              <a:ext cx="0" cy="5133042"/>
             </a:xfrm>
             <a:custGeom>
               <a:avLst/>
               <a:pathLst>
-                <a:path w="0" h="5534432">
+                <a:path w="0" h="5133042">
                   <a:moveTo>
-                    <a:pt x="0" y="5534432"/>
+                    <a:pt x="0" y="5133042"/>
                   </a:moveTo>
                   <a:lnTo>
                     <a:pt x="0" y="0"/>
@@ -2918,15 +2918,15 @@
           </p:nvSpPr>
           <p:spPr>
             <a:xfrm>
-              <a:off x="9270718" y="1392990"/>
-              <a:ext cx="0" cy="5534432"/>
+              <a:off x="9290510" y="1613754"/>
+              <a:ext cx="0" cy="5133042"/>
             </a:xfrm>
             <a:custGeom>
               <a:avLst/>
               <a:pathLst>
-                <a:path w="0" h="5534432">
+                <a:path w="0" h="5133042">
                   <a:moveTo>
-                    <a:pt x="0" y="5534432"/>
+                    <a:pt x="0" y="5133042"/>
                   </a:moveTo>
                   <a:lnTo>
                     <a:pt x="0" y="0"/>
@@ -2961,18 +2961,18 @@
           </p:nvSpPr>
           <p:spPr>
             <a:xfrm>
-              <a:off x="1790587" y="3313707"/>
-              <a:ext cx="598410" cy="0"/>
+              <a:off x="2016549" y="3395169"/>
+              <a:ext cx="581916" cy="0"/>
             </a:xfrm>
             <a:custGeom>
               <a:avLst/>
               <a:pathLst>
-                <a:path w="598410" h="0">
+                <a:path w="581916" h="0">
                   <a:moveTo>
                     <a:pt x="0" y="0"/>
                   </a:moveTo>
                   <a:lnTo>
-                    <a:pt x="598410" y="0"/>
+                    <a:pt x="581916" y="0"/>
                   </a:lnTo>
                 </a:path>
               </a:pathLst>
@@ -3001,18 +3001,18 @@
           </p:nvSpPr>
           <p:spPr>
             <a:xfrm>
-              <a:off x="2089793" y="3313707"/>
-              <a:ext cx="0" cy="596125"/>
+              <a:off x="2307508" y="3395169"/>
+              <a:ext cx="0" cy="552891"/>
             </a:xfrm>
             <a:custGeom>
               <a:avLst/>
               <a:pathLst>
-                <a:path w="0" h="596125">
+                <a:path w="0" h="552891">
                   <a:moveTo>
                     <a:pt x="0" y="0"/>
                   </a:moveTo>
                   <a:lnTo>
-                    <a:pt x="0" y="596125"/>
+                    <a:pt x="0" y="552891"/>
                   </a:lnTo>
                 </a:path>
               </a:pathLst>
@@ -3041,18 +3041,18 @@
           </p:nvSpPr>
           <p:spPr>
             <a:xfrm>
-              <a:off x="1790587" y="3909833"/>
-              <a:ext cx="598410" cy="0"/>
+              <a:off x="2016549" y="3948061"/>
+              <a:ext cx="581916" cy="0"/>
             </a:xfrm>
             <a:custGeom>
               <a:avLst/>
               <a:pathLst>
-                <a:path w="598410" h="0">
+                <a:path w="581916" h="0">
                   <a:moveTo>
                     <a:pt x="0" y="0"/>
                   </a:moveTo>
                   <a:lnTo>
-                    <a:pt x="598410" y="0"/>
+                    <a:pt x="581916" y="0"/>
                   </a:lnTo>
                 </a:path>
               </a:pathLst>
@@ -3081,18 +3081,18 @@
           </p:nvSpPr>
           <p:spPr>
             <a:xfrm>
-              <a:off x="4184229" y="5711836"/>
-              <a:ext cx="598410" cy="0"/>
+              <a:off x="4344217" y="5619372"/>
+              <a:ext cx="581916" cy="0"/>
             </a:xfrm>
             <a:custGeom>
               <a:avLst/>
               <a:pathLst>
-                <a:path w="598410" h="0">
+                <a:path w="581916" h="0">
                   <a:moveTo>
                     <a:pt x="0" y="0"/>
                   </a:moveTo>
                   <a:lnTo>
-                    <a:pt x="598410" y="0"/>
+                    <a:pt x="581916" y="0"/>
                   </a:lnTo>
                 </a:path>
               </a:pathLst>
@@ -3121,18 +3121,18 @@
           </p:nvSpPr>
           <p:spPr>
             <a:xfrm>
-              <a:off x="4483434" y="5711836"/>
-              <a:ext cx="0" cy="333830"/>
+              <a:off x="4635175" y="5619372"/>
+              <a:ext cx="0" cy="309619"/>
             </a:xfrm>
             <a:custGeom>
               <a:avLst/>
               <a:pathLst>
-                <a:path w="0" h="333830">
+                <a:path w="0" h="309619">
                   <a:moveTo>
                     <a:pt x="0" y="0"/>
                   </a:moveTo>
                   <a:lnTo>
-                    <a:pt x="0" y="333830"/>
+                    <a:pt x="0" y="309619"/>
                   </a:lnTo>
                 </a:path>
               </a:pathLst>
@@ -3161,18 +3161,18 @@
           </p:nvSpPr>
           <p:spPr>
             <a:xfrm>
-              <a:off x="4184229" y="6045666"/>
-              <a:ext cx="598410" cy="0"/>
+              <a:off x="4344217" y="5928991"/>
+              <a:ext cx="581916" cy="0"/>
             </a:xfrm>
             <a:custGeom>
               <a:avLst/>
               <a:pathLst>
-                <a:path w="598410" h="0">
+                <a:path w="581916" h="0">
                   <a:moveTo>
                     <a:pt x="0" y="0"/>
                   </a:moveTo>
                   <a:lnTo>
-                    <a:pt x="598410" y="0"/>
+                    <a:pt x="581916" y="0"/>
                   </a:lnTo>
                 </a:path>
               </a:pathLst>
@@ -3201,18 +3201,18 @@
           </p:nvSpPr>
           <p:spPr>
             <a:xfrm>
-              <a:off x="7774692" y="1644555"/>
-              <a:ext cx="598410" cy="0"/>
+              <a:off x="7835718" y="1847074"/>
+              <a:ext cx="581916" cy="0"/>
             </a:xfrm>
             <a:custGeom>
               <a:avLst/>
               <a:pathLst>
-                <a:path w="598410" h="0">
+                <a:path w="581916" h="0">
                   <a:moveTo>
                     <a:pt x="0" y="0"/>
                   </a:moveTo>
                   <a:lnTo>
-                    <a:pt x="598410" y="0"/>
+                    <a:pt x="581916" y="0"/>
                   </a:lnTo>
                 </a:path>
               </a:pathLst>
@@ -3241,18 +3241,18 @@
           </p:nvSpPr>
           <p:spPr>
             <a:xfrm>
-              <a:off x="8073897" y="1644555"/>
-              <a:ext cx="0" cy="5031301"/>
+              <a:off x="8126676" y="1847074"/>
+              <a:ext cx="0" cy="4666402"/>
             </a:xfrm>
             <a:custGeom>
               <a:avLst/>
               <a:pathLst>
-                <a:path w="0" h="5031301">
+                <a:path w="0" h="4666402">
                   <a:moveTo>
                     <a:pt x="0" y="0"/>
                   </a:moveTo>
                   <a:lnTo>
-                    <a:pt x="0" y="5031301"/>
+                    <a:pt x="0" y="4666402"/>
                   </a:lnTo>
                 </a:path>
               </a:pathLst>
@@ -3281,18 +3281,18 @@
           </p:nvSpPr>
           <p:spPr>
             <a:xfrm>
-              <a:off x="7774692" y="6675857"/>
-              <a:ext cx="598410" cy="0"/>
+              <a:off x="7835718" y="6513476"/>
+              <a:ext cx="581916" cy="0"/>
             </a:xfrm>
             <a:custGeom>
               <a:avLst/>
               <a:pathLst>
-                <a:path w="598410" h="0">
+                <a:path w="581916" h="0">
                   <a:moveTo>
                     <a:pt x="0" y="0"/>
                   </a:moveTo>
                   <a:lnTo>
-                    <a:pt x="598410" y="0"/>
+                    <a:pt x="581916" y="0"/>
                   </a:lnTo>
                 </a:path>
               </a:pathLst>
@@ -3321,15 +3321,15 @@
           </p:nvSpPr>
           <p:spPr>
             <a:xfrm>
-              <a:off x="2089793" y="3313707"/>
-              <a:ext cx="0" cy="4258"/>
+              <a:off x="2307508" y="3395169"/>
+              <a:ext cx="0" cy="3949"/>
             </a:xfrm>
             <a:custGeom>
               <a:avLst/>
               <a:pathLst>
-                <a:path w="0" h="4258">
+                <a:path w="0" h="3949">
                   <a:moveTo>
-                    <a:pt x="0" y="4258"/>
+                    <a:pt x="0" y="3949"/>
                   </a:moveTo>
                   <a:lnTo>
                     <a:pt x="0" y="0"/>
@@ -3361,18 +3361,18 @@
           </p:nvSpPr>
           <p:spPr>
             <a:xfrm>
-              <a:off x="2089793" y="3757395"/>
-              <a:ext cx="0" cy="152437"/>
+              <a:off x="2307508" y="3806679"/>
+              <a:ext cx="0" cy="141382"/>
             </a:xfrm>
             <a:custGeom>
               <a:avLst/>
               <a:pathLst>
-                <a:path w="0" h="152437">
+                <a:path w="0" h="141382">
                   <a:moveTo>
                     <a:pt x="0" y="0"/>
                   </a:moveTo>
                   <a:lnTo>
-                    <a:pt x="0" y="152437"/>
+                    <a:pt x="0" y="141382"/>
                   </a:lnTo>
                 </a:path>
               </a:pathLst>
@@ -3401,24 +3401,24 @@
           </p:nvSpPr>
           <p:spPr>
             <a:xfrm>
-              <a:off x="1640985" y="3317965"/>
-              <a:ext cx="897615" cy="439429"/>
+              <a:off x="1871070" y="3399119"/>
+              <a:ext cx="872875" cy="407559"/>
             </a:xfrm>
             <a:custGeom>
               <a:avLst/>
               <a:pathLst>
-                <a:path w="897615" h="439429">
+                <a:path w="872875" h="407559">
                   <a:moveTo>
                     <a:pt x="0" y="0"/>
                   </a:moveTo>
                   <a:lnTo>
-                    <a:pt x="0" y="439429"/>
-                  </a:lnTo>
-                  <a:lnTo>
-                    <a:pt x="897615" y="439429"/>
-                  </a:lnTo>
-                  <a:lnTo>
-                    <a:pt x="897615" y="0"/>
+                    <a:pt x="0" y="407559"/>
+                  </a:lnTo>
+                  <a:lnTo>
+                    <a:pt x="872875" y="407559"/>
+                  </a:lnTo>
+                  <a:lnTo>
+                    <a:pt x="872875" y="0"/>
                   </a:lnTo>
                   <a:close/>
                 </a:path>
@@ -3453,18 +3453,18 @@
           </p:nvSpPr>
           <p:spPr>
             <a:xfrm>
-              <a:off x="1640985" y="3524906"/>
-              <a:ext cx="897615" cy="0"/>
+              <a:off x="1871070" y="3591051"/>
+              <a:ext cx="872875" cy="0"/>
             </a:xfrm>
             <a:custGeom>
               <a:avLst/>
               <a:pathLst>
-                <a:path w="897615" h="0">
+                <a:path w="872875" h="0">
                   <a:moveTo>
                     <a:pt x="0" y="0"/>
                   </a:moveTo>
                   <a:lnTo>
-                    <a:pt x="897615" y="0"/>
+                    <a:pt x="872875" y="0"/>
                   </a:lnTo>
                 </a:path>
               </a:pathLst>
@@ -3493,15 +3493,15 @@
           </p:nvSpPr>
           <p:spPr>
             <a:xfrm>
-              <a:off x="4483434" y="5711836"/>
-              <a:ext cx="0" cy="83457"/>
+              <a:off x="4635175" y="5619372"/>
+              <a:ext cx="0" cy="77404"/>
             </a:xfrm>
             <a:custGeom>
               <a:avLst/>
               <a:pathLst>
-                <a:path w="0" h="83457">
+                <a:path w="0" h="77404">
                   <a:moveTo>
-                    <a:pt x="0" y="83457"/>
+                    <a:pt x="0" y="77404"/>
                   </a:moveTo>
                   <a:lnTo>
                     <a:pt x="0" y="0"/>
@@ -3533,18 +3533,18 @@
           </p:nvSpPr>
           <p:spPr>
             <a:xfrm>
-              <a:off x="4483434" y="5962209"/>
-              <a:ext cx="0" cy="83457"/>
+              <a:off x="4635175" y="5851586"/>
+              <a:ext cx="0" cy="77404"/>
             </a:xfrm>
             <a:custGeom>
               <a:avLst/>
               <a:pathLst>
-                <a:path w="0" h="83457">
+                <a:path w="0" h="77404">
                   <a:moveTo>
                     <a:pt x="0" y="0"/>
                   </a:moveTo>
                   <a:lnTo>
-                    <a:pt x="0" y="83457"/>
+                    <a:pt x="0" y="77404"/>
                   </a:lnTo>
                 </a:path>
               </a:pathLst>
@@ -3573,24 +3573,24 @@
           </p:nvSpPr>
           <p:spPr>
             <a:xfrm>
-              <a:off x="4034626" y="5795294"/>
-              <a:ext cx="897615" cy="166915"/>
+              <a:off x="4198737" y="5696777"/>
+              <a:ext cx="872875" cy="154809"/>
             </a:xfrm>
             <a:custGeom>
               <a:avLst/>
               <a:pathLst>
-                <a:path w="897615" h="166915">
+                <a:path w="872875" h="154809">
                   <a:moveTo>
                     <a:pt x="0" y="0"/>
                   </a:moveTo>
                   <a:lnTo>
-                    <a:pt x="0" y="166915"/>
-                  </a:lnTo>
-                  <a:lnTo>
-                    <a:pt x="897615" y="166915"/>
-                  </a:lnTo>
-                  <a:lnTo>
-                    <a:pt x="897615" y="0"/>
+                    <a:pt x="0" y="154809"/>
+                  </a:lnTo>
+                  <a:lnTo>
+                    <a:pt x="872875" y="154809"/>
+                  </a:lnTo>
+                  <a:lnTo>
+                    <a:pt x="872875" y="0"/>
                   </a:lnTo>
                   <a:close/>
                 </a:path>
@@ -3625,18 +3625,18 @@
           </p:nvSpPr>
           <p:spPr>
             <a:xfrm>
-              <a:off x="4034626" y="5878751"/>
-              <a:ext cx="897615" cy="0"/>
+              <a:off x="4198737" y="5774182"/>
+              <a:ext cx="872875" cy="0"/>
             </a:xfrm>
             <a:custGeom>
               <a:avLst/>
               <a:pathLst>
-                <a:path w="897615" h="0">
+                <a:path w="872875" h="0">
                   <a:moveTo>
                     <a:pt x="0" y="0"/>
                   </a:moveTo>
                   <a:lnTo>
-                    <a:pt x="897615" y="0"/>
+                    <a:pt x="872875" y="0"/>
                   </a:lnTo>
                 </a:path>
               </a:pathLst>
@@ -3665,15 +3665,15 @@
           </p:nvSpPr>
           <p:spPr>
             <a:xfrm>
-              <a:off x="8073897" y="1644555"/>
-              <a:ext cx="0" cy="813285"/>
+              <a:off x="8126676" y="1847074"/>
+              <a:ext cx="0" cy="754301"/>
             </a:xfrm>
             <a:custGeom>
               <a:avLst/>
               <a:pathLst>
-                <a:path w="0" h="813285">
+                <a:path w="0" h="754301">
                   <a:moveTo>
-                    <a:pt x="0" y="813285"/>
+                    <a:pt x="0" y="754301"/>
                   </a:moveTo>
                   <a:lnTo>
                     <a:pt x="0" y="0"/>
@@ -3705,18 +3705,18 @@
           </p:nvSpPr>
           <p:spPr>
             <a:xfrm>
-              <a:off x="8073897" y="4511920"/>
-              <a:ext cx="0" cy="2163936"/>
+              <a:off x="8126676" y="4506481"/>
+              <a:ext cx="0" cy="2006995"/>
             </a:xfrm>
             <a:custGeom>
               <a:avLst/>
               <a:pathLst>
-                <a:path w="0" h="2163936">
+                <a:path w="0" h="2006995">
                   <a:moveTo>
                     <a:pt x="0" y="0"/>
                   </a:moveTo>
                   <a:lnTo>
-                    <a:pt x="0" y="2163936"/>
+                    <a:pt x="0" y="2006995"/>
                   </a:lnTo>
                 </a:path>
               </a:pathLst>
@@ -3745,24 +3745,24 @@
           </p:nvSpPr>
           <p:spPr>
             <a:xfrm>
-              <a:off x="7625089" y="2457841"/>
-              <a:ext cx="897615" cy="2054079"/>
+              <a:off x="7690239" y="2601376"/>
+              <a:ext cx="872875" cy="1905105"/>
             </a:xfrm>
             <a:custGeom>
               <a:avLst/>
               <a:pathLst>
-                <a:path w="897615" h="2054079">
+                <a:path w="872875" h="1905105">
                   <a:moveTo>
                     <a:pt x="0" y="0"/>
                   </a:moveTo>
                   <a:lnTo>
-                    <a:pt x="0" y="2054079"/>
-                  </a:lnTo>
-                  <a:lnTo>
-                    <a:pt x="897615" y="2054079"/>
-                  </a:lnTo>
-                  <a:lnTo>
-                    <a:pt x="897615" y="0"/>
+                    <a:pt x="0" y="1905105"/>
+                  </a:lnTo>
+                  <a:lnTo>
+                    <a:pt x="872875" y="1905105"/>
+                  </a:lnTo>
+                  <a:lnTo>
+                    <a:pt x="872875" y="0"/>
                   </a:lnTo>
                   <a:close/>
                 </a:path>
@@ -3797,18 +3797,18 @@
           </p:nvSpPr>
           <p:spPr>
             <a:xfrm>
-              <a:off x="7625089" y="3066741"/>
-              <a:ext cx="897615" cy="0"/>
+              <a:off x="7690239" y="3166114"/>
+              <a:ext cx="872875" cy="0"/>
             </a:xfrm>
             <a:custGeom>
               <a:avLst/>
               <a:pathLst>
-                <a:path w="897615" h="0">
+                <a:path w="872875" h="0">
                   <a:moveTo>
                     <a:pt x="0" y="0"/>
                   </a:moveTo>
                   <a:lnTo>
-                    <a:pt x="897615" y="0"/>
+                    <a:pt x="872875" y="0"/>
                   </a:lnTo>
                 </a:path>
               </a:pathLst>
@@ -3837,8 +3837,8 @@
           </p:nvSpPr>
           <p:spPr>
             <a:xfrm>
-              <a:off x="1371700" y="1392990"/>
-              <a:ext cx="8617110" cy="5534432"/>
+              <a:off x="1609207" y="1613754"/>
+              <a:ext cx="8379603" cy="5133042"/>
             </a:xfrm>
             <a:prstGeom prst="rect">
               <a:avLst/>
@@ -3867,8 +3867,8 @@
           </p:nvSpPr>
           <p:spPr>
             <a:xfrm>
-              <a:off x="1141430" y="6792716"/>
-              <a:ext cx="167640" cy="76835"/>
+              <a:off x="1241777" y="6586378"/>
+              <a:ext cx="304800" cy="139700"/>
             </a:xfrm>
             <a:prstGeom prst="rect">
               <a:avLst/>
@@ -3881,7 +3881,7 @@
             <a:p>
               <a:pPr algn="l" marL="0" marR="0" indent="0">
                 <a:lnSpc>
-                  <a:spcPts val="880"/>
+                  <a:spcPts val="1600"/>
                 </a:lnSpc>
                 <a:spcBef>
                   <a:spcPts val="0"/>
@@ -3891,7 +3891,7 @@
                 </a:spcAft>
               </a:pPr>
               <a:r>
-                <a:rPr sz="880">
+                <a:rPr sz="1600">
                   <a:solidFill>
                     <a:srgbClr val="4D4D4D">
                       <a:alpha val="100000"/>
@@ -3913,8 +3913,8 @@
           </p:nvSpPr>
           <p:spPr>
             <a:xfrm>
-              <a:off x="1141430" y="5089499"/>
-              <a:ext cx="167640" cy="76835"/>
+              <a:off x="1241777" y="5006689"/>
+              <a:ext cx="304800" cy="139700"/>
             </a:xfrm>
             <a:prstGeom prst="rect">
               <a:avLst/>
@@ -3927,7 +3927,7 @@
             <a:p>
               <a:pPr algn="l" marL="0" marR="0" indent="0">
                 <a:lnSpc>
-                  <a:spcPts val="880"/>
+                  <a:spcPts val="1600"/>
                 </a:lnSpc>
                 <a:spcBef>
                   <a:spcPts val="0"/>
@@ -3937,7 +3937,7 @@
                 </a:spcAft>
               </a:pPr>
               <a:r>
-                <a:rPr sz="880">
+                <a:rPr sz="1600">
                   <a:solidFill>
                     <a:srgbClr val="4D4D4D">
                       <a:alpha val="100000"/>
@@ -3959,8 +3959,8 @@
           </p:nvSpPr>
           <p:spPr>
             <a:xfrm>
-              <a:off x="1141430" y="3386283"/>
-              <a:ext cx="167640" cy="76835"/>
+              <a:off x="1241777" y="3426999"/>
+              <a:ext cx="304800" cy="139700"/>
             </a:xfrm>
             <a:prstGeom prst="rect">
               <a:avLst/>
@@ -3973,7 +3973,7 @@
             <a:p>
               <a:pPr algn="l" marL="0" marR="0" indent="0">
                 <a:lnSpc>
-                  <a:spcPts val="880"/>
+                  <a:spcPts val="1600"/>
                 </a:lnSpc>
                 <a:spcBef>
                   <a:spcPts val="0"/>
@@ -3983,7 +3983,7 @@
                 </a:spcAft>
               </a:pPr>
               <a:r>
-                <a:rPr sz="880">
+                <a:rPr sz="1600">
                   <a:solidFill>
                     <a:srgbClr val="4D4D4D">
                       <a:alpha val="100000"/>
@@ -4005,8 +4005,8 @@
           </p:nvSpPr>
           <p:spPr>
             <a:xfrm>
-              <a:off x="1141430" y="1683066"/>
-              <a:ext cx="167640" cy="76835"/>
+              <a:off x="1241777" y="1847310"/>
+              <a:ext cx="304800" cy="139700"/>
             </a:xfrm>
             <a:prstGeom prst="rect">
               <a:avLst/>
@@ -4019,7 +4019,7 @@
             <a:p>
               <a:pPr algn="l" marL="0" marR="0" indent="0">
                 <a:lnSpc>
-                  <a:spcPts val="880"/>
+                  <a:spcPts val="1600"/>
                 </a:lnSpc>
                 <a:spcBef>
                   <a:spcPts val="0"/>
@@ -4029,7 +4029,7 @@
                 </a:spcAft>
               </a:pPr>
               <a:r>
-                <a:rPr sz="880">
+                <a:rPr sz="1600">
                   <a:solidFill>
                     <a:srgbClr val="4D4D4D">
                       <a:alpha val="100000"/>
@@ -4051,7 +4051,7 @@
           </p:nvSpPr>
           <p:spPr>
             <a:xfrm>
-              <a:off x="1336905" y="6832552"/>
+              <a:off x="1574413" y="6658808"/>
               <a:ext cx="34794" cy="0"/>
             </a:xfrm>
             <a:custGeom>
@@ -4091,7 +4091,7 @@
           </p:nvSpPr>
           <p:spPr>
             <a:xfrm>
-              <a:off x="1336905" y="5129336"/>
+              <a:off x="1574413" y="5079118"/>
               <a:ext cx="34794" cy="0"/>
             </a:xfrm>
             <a:custGeom>
@@ -4131,7 +4131,7 @@
           </p:nvSpPr>
           <p:spPr>
             <a:xfrm>
-              <a:off x="1336905" y="3426119"/>
+              <a:off x="1574413" y="3499429"/>
               <a:ext cx="34794" cy="0"/>
             </a:xfrm>
             <a:custGeom>
@@ -4171,7 +4171,7 @@
           </p:nvSpPr>
           <p:spPr>
             <a:xfrm>
-              <a:off x="1336905" y="1722903"/>
+              <a:off x="1574413" y="1919740"/>
               <a:ext cx="34794" cy="0"/>
             </a:xfrm>
             <a:custGeom>
@@ -4211,7 +4211,7 @@
           </p:nvSpPr>
           <p:spPr>
             <a:xfrm>
-              <a:off x="2089793" y="6927422"/>
+              <a:off x="2307508" y="6746796"/>
               <a:ext cx="0" cy="34794"/>
             </a:xfrm>
             <a:custGeom>
@@ -4251,7 +4251,7 @@
           </p:nvSpPr>
           <p:spPr>
             <a:xfrm>
-              <a:off x="3286613" y="6927422"/>
+              <a:off x="3471341" y="6746796"/>
               <a:ext cx="0" cy="34794"/>
             </a:xfrm>
             <a:custGeom>
@@ -4291,7 +4291,7 @@
           </p:nvSpPr>
           <p:spPr>
             <a:xfrm>
-              <a:off x="4483434" y="6927422"/>
+              <a:off x="4635175" y="6746796"/>
               <a:ext cx="0" cy="34794"/>
             </a:xfrm>
             <a:custGeom>
@@ -4331,7 +4331,7 @@
           </p:nvSpPr>
           <p:spPr>
             <a:xfrm>
-              <a:off x="5680255" y="6927422"/>
+              <a:off x="5799009" y="6746796"/>
               <a:ext cx="0" cy="34794"/>
             </a:xfrm>
             <a:custGeom>
@@ -4371,7 +4371,7 @@
           </p:nvSpPr>
           <p:spPr>
             <a:xfrm>
-              <a:off x="6877076" y="6927422"/>
+              <a:off x="6962843" y="6746796"/>
               <a:ext cx="0" cy="34794"/>
             </a:xfrm>
             <a:custGeom>
@@ -4411,7 +4411,7 @@
           </p:nvSpPr>
           <p:spPr>
             <a:xfrm>
-              <a:off x="8073897" y="6927422"/>
+              <a:off x="8126676" y="6746796"/>
               <a:ext cx="0" cy="34794"/>
             </a:xfrm>
             <a:custGeom>
@@ -4451,7 +4451,7 @@
           </p:nvSpPr>
           <p:spPr>
             <a:xfrm>
-              <a:off x="9270718" y="6927422"/>
+              <a:off x="9290510" y="6746796"/>
               <a:ext cx="0" cy="34794"/>
             </a:xfrm>
             <a:custGeom>
@@ -4491,8 +4491,8 @@
           </p:nvSpPr>
           <p:spPr>
             <a:xfrm>
-              <a:off x="1872575" y="6984922"/>
-              <a:ext cx="434434" cy="79126"/>
+              <a:off x="1912567" y="6800100"/>
+              <a:ext cx="789880" cy="143867"/>
             </a:xfrm>
             <a:prstGeom prst="rect">
               <a:avLst/>
@@ -4505,7 +4505,7 @@
             <a:p>
               <a:pPr algn="l" marL="0" marR="0" indent="0">
                 <a:lnSpc>
-                  <a:spcPts val="880"/>
+                  <a:spcPts val="1600"/>
                 </a:lnSpc>
                 <a:spcBef>
                   <a:spcPts val="0"/>
@@ -4515,7 +4515,7 @@
                 </a:spcAft>
               </a:pPr>
               <a:r>
-                <a:rPr sz="880">
+                <a:rPr sz="1600">
                   <a:solidFill>
                     <a:srgbClr val="4D4D4D">
                       <a:alpha val="100000"/>
@@ -4537,8 +4537,8 @@
           </p:nvSpPr>
           <p:spPr>
             <a:xfrm>
-              <a:off x="3103503" y="6984922"/>
-              <a:ext cx="366221" cy="79126"/>
+              <a:off x="3138413" y="6800100"/>
+              <a:ext cx="665857" cy="143867"/>
             </a:xfrm>
             <a:prstGeom prst="rect">
               <a:avLst/>
@@ -4551,7 +4551,7 @@
             <a:p>
               <a:pPr algn="l" marL="0" marR="0" indent="0">
                 <a:lnSpc>
-                  <a:spcPts val="880"/>
+                  <a:spcPts val="1600"/>
                 </a:lnSpc>
                 <a:spcBef>
                   <a:spcPts val="0"/>
@@ -4561,7 +4561,7 @@
                 </a:spcAft>
               </a:pPr>
               <a:r>
-                <a:rPr sz="880">
+                <a:rPr sz="1600">
                   <a:solidFill>
                     <a:srgbClr val="4D4D4D">
                       <a:alpha val="100000"/>
@@ -4583,8 +4583,8 @@
           </p:nvSpPr>
           <p:spPr>
             <a:xfrm>
-              <a:off x="4191729" y="6984922"/>
-              <a:ext cx="583411" cy="79126"/>
+              <a:off x="4104801" y="6800100"/>
+              <a:ext cx="1060747" cy="143867"/>
             </a:xfrm>
             <a:prstGeom prst="rect">
               <a:avLst/>
@@ -4597,7 +4597,7 @@
             <a:p>
               <a:pPr algn="l" marL="0" marR="0" indent="0">
                 <a:lnSpc>
-                  <a:spcPts val="880"/>
+                  <a:spcPts val="1600"/>
                 </a:lnSpc>
                 <a:spcBef>
                   <a:spcPts val="0"/>
@@ -4607,7 +4607,7 @@
                 </a:spcAft>
               </a:pPr>
               <a:r>
-                <a:rPr sz="880">
+                <a:rPr sz="1600">
                   <a:solidFill>
                     <a:srgbClr val="4D4D4D">
                       <a:alpha val="100000"/>
@@ -4629,8 +4629,8 @@
           </p:nvSpPr>
           <p:spPr>
             <a:xfrm>
-              <a:off x="5490978" y="6985413"/>
-              <a:ext cx="378554" cy="78635"/>
+              <a:off x="5454869" y="6800993"/>
+              <a:ext cx="688280" cy="142974"/>
             </a:xfrm>
             <a:prstGeom prst="rect">
               <a:avLst/>
@@ -4643,7 +4643,7 @@
             <a:p>
               <a:pPr algn="l" marL="0" marR="0" indent="0">
                 <a:lnSpc>
-                  <a:spcPts val="880"/>
+                  <a:spcPts val="1600"/>
                 </a:lnSpc>
                 <a:spcBef>
                   <a:spcPts val="0"/>
@@ -4653,7 +4653,7 @@
                 </a:spcAft>
               </a:pPr>
               <a:r>
-                <a:rPr sz="880">
+                <a:rPr sz="1600">
                   <a:solidFill>
                     <a:srgbClr val="4D4D4D">
                       <a:alpha val="100000"/>
@@ -4675,8 +4675,8 @@
           </p:nvSpPr>
           <p:spPr>
             <a:xfrm>
-              <a:off x="6603897" y="6962330"/>
-              <a:ext cx="546357" cy="101719"/>
+              <a:off x="6466154" y="6759023"/>
+              <a:ext cx="993378" cy="184943"/>
             </a:xfrm>
             <a:prstGeom prst="rect">
               <a:avLst/>
@@ -4689,7 +4689,7 @@
             <a:p>
               <a:pPr algn="l" marL="0" marR="0" indent="0">
                 <a:lnSpc>
-                  <a:spcPts val="880"/>
+                  <a:spcPts val="1600"/>
                 </a:lnSpc>
                 <a:spcBef>
                   <a:spcPts val="0"/>
@@ -4699,7 +4699,7 @@
                 </a:spcAft>
               </a:pPr>
               <a:r>
-                <a:rPr sz="880">
+                <a:rPr sz="1600">
                   <a:solidFill>
                     <a:srgbClr val="4D4D4D">
                       <a:alpha val="100000"/>
@@ -4721,8 +4721,8 @@
           </p:nvSpPr>
           <p:spPr>
             <a:xfrm>
-              <a:off x="7754197" y="6962548"/>
-              <a:ext cx="639400" cy="101500"/>
+              <a:off x="7545403" y="6759420"/>
+              <a:ext cx="1162546" cy="184546"/>
             </a:xfrm>
             <a:prstGeom prst="rect">
               <a:avLst/>
@@ -4735,7 +4735,7 @@
             <a:p>
               <a:pPr algn="l" marL="0" marR="0" indent="0">
                 <a:lnSpc>
-                  <a:spcPts val="880"/>
+                  <a:spcPts val="1600"/>
                 </a:lnSpc>
                 <a:spcBef>
                   <a:spcPts val="0"/>
@@ -4745,7 +4745,7 @@
                 </a:spcAft>
               </a:pPr>
               <a:r>
-                <a:rPr sz="880">
+                <a:rPr sz="1600">
                   <a:solidFill>
                     <a:srgbClr val="4D4D4D">
                       <a:alpha val="100000"/>
@@ -4767,8 +4767,8 @@
           </p:nvSpPr>
           <p:spPr>
             <a:xfrm>
-              <a:off x="8985151" y="6962330"/>
-              <a:ext cx="571132" cy="101719"/>
+              <a:off x="8771298" y="6759023"/>
+              <a:ext cx="1038423" cy="184943"/>
             </a:xfrm>
             <a:prstGeom prst="rect">
               <a:avLst/>
@@ -4781,7 +4781,7 @@
             <a:p>
               <a:pPr algn="l" marL="0" marR="0" indent="0">
                 <a:lnSpc>
-                  <a:spcPts val="880"/>
+                  <a:spcPts val="1600"/>
                 </a:lnSpc>
                 <a:spcBef>
                   <a:spcPts val="0"/>
@@ -4791,7 +4791,7 @@
                 </a:spcAft>
               </a:pPr>
               <a:r>
-                <a:rPr sz="880">
+                <a:rPr sz="1600">
                   <a:solidFill>
                     <a:srgbClr val="4D4D4D">
                       <a:alpha val="100000"/>
@@ -4813,8 +4813,8 @@
           </p:nvSpPr>
           <p:spPr>
             <a:xfrm>
-              <a:off x="5517329" y="7116347"/>
-              <a:ext cx="325852" cy="99113"/>
+              <a:off x="5502779" y="7010586"/>
+              <a:ext cx="592459" cy="180206"/>
             </a:xfrm>
             <a:prstGeom prst="rect">
               <a:avLst/>
@@ -4827,7 +4827,7 @@
             <a:p>
               <a:pPr algn="l" marL="0" marR="0" indent="0">
                 <a:lnSpc>
-                  <a:spcPts val="1100"/>
+                  <a:spcPts val="2000"/>
                 </a:lnSpc>
                 <a:spcBef>
                   <a:spcPts val="0"/>
@@ -4837,7 +4837,7 @@
                 </a:spcAft>
               </a:pPr>
               <a:r>
-                <a:rPr sz="1100">
+                <a:rPr sz="2000">
                   <a:solidFill>
                     <a:srgbClr val="000000">
                       <a:alpha val="100000"/>
@@ -4859,8 +4859,8 @@
           </p:nvSpPr>
           <p:spPr>
             <a:xfrm rot="-5400000">
-              <a:off x="460455" y="4110649"/>
-              <a:ext cx="1132947" cy="99113"/>
+              <a:off x="32109" y="4090172"/>
+              <a:ext cx="2059905" cy="180206"/>
             </a:xfrm>
             <a:prstGeom prst="rect">
               <a:avLst/>
@@ -4873,7 +4873,7 @@
             <a:p>
               <a:pPr algn="l" marL="0" marR="0" indent="0">
                 <a:lnSpc>
-                  <a:spcPts val="1100"/>
+                  <a:spcPts val="2000"/>
                 </a:lnSpc>
                 <a:spcBef>
                   <a:spcPts val="0"/>
@@ -4883,7 +4883,7 @@
                 </a:spcAft>
               </a:pPr>
               <a:r>
-                <a:rPr sz="1100">
+                <a:rPr sz="2000">
                   <a:solidFill>
                     <a:srgbClr val="000000">
                       <a:alpha val="100000"/>
@@ -4905,8 +4905,8 @@
           </p:nvSpPr>
           <p:spPr>
             <a:xfrm>
-              <a:off x="1371700" y="1166102"/>
-              <a:ext cx="1171692" cy="127148"/>
+              <a:off x="1609207" y="1258167"/>
+              <a:ext cx="2130350" cy="231179"/>
             </a:xfrm>
             <a:prstGeom prst="rect">
               <a:avLst/>
@@ -4919,7 +4919,7 @@
             <a:p>
               <a:pPr algn="l" marL="0" marR="0" indent="0">
                 <a:lnSpc>
-                  <a:spcPts val="1100"/>
+                  <a:spcPts val="2000"/>
                 </a:lnSpc>
                 <a:spcBef>
                   <a:spcPts val="0"/>
@@ -4929,7 +4929,7 @@
                 </a:spcAft>
               </a:pPr>
               <a:r>
-                <a:rPr sz="1100">
+                <a:rPr sz="2000">
                   <a:solidFill>
                     <a:srgbClr val="000000">
                       <a:alpha val="100000"/>
@@ -4951,8 +4951,8 @@
           </p:nvSpPr>
           <p:spPr>
             <a:xfrm>
-              <a:off x="1371700" y="976049"/>
-              <a:ext cx="1424776" cy="118935"/>
+              <a:off x="1609207" y="969552"/>
+              <a:ext cx="2590502" cy="216247"/>
             </a:xfrm>
             <a:prstGeom prst="rect">
               <a:avLst/>
@@ -4965,7 +4965,7 @@
             <a:p>
               <a:pPr algn="l" marL="0" marR="0" indent="0">
                 <a:lnSpc>
-                  <a:spcPts val="1320"/>
+                  <a:spcPts val="2400"/>
                 </a:lnSpc>
                 <a:spcBef>
                   <a:spcPts val="0"/>
@@ -4975,7 +4975,7 @@
                 </a:spcAft>
               </a:pPr>
               <a:r>
-                <a:rPr sz="1320">
+                <a:rPr sz="2400">
                   <a:solidFill>
                     <a:srgbClr val="000000">
                       <a:alpha val="100000"/>
